--- a/static/images/itorl_setting.pptx
+++ b/static/images/itorl_setting.pptx
@@ -241,7 +241,7 @@
           <a:p>
             <a:fld id="{F16920DF-4227-FE47-B84A-A9D6D0E64CA2}" type="datetimeFigureOut">
               <a:rPr lang="en-CN" smtClean="0"/>
-              <a:t>2024/6/22</a:t>
+              <a:t>2024/7/1</a:t>
             </a:fld>
             <a:endParaRPr lang="en-CN"/>
           </a:p>
@@ -409,7 +409,7 @@
           <a:p>
             <a:fld id="{F16920DF-4227-FE47-B84A-A9D6D0E64CA2}" type="datetimeFigureOut">
               <a:rPr lang="en-CN" smtClean="0"/>
-              <a:t>2024/6/22</a:t>
+              <a:t>2024/7/1</a:t>
             </a:fld>
             <a:endParaRPr lang="en-CN"/>
           </a:p>
@@ -587,7 +587,7 @@
           <a:p>
             <a:fld id="{F16920DF-4227-FE47-B84A-A9D6D0E64CA2}" type="datetimeFigureOut">
               <a:rPr lang="en-CN" smtClean="0"/>
-              <a:t>2024/6/22</a:t>
+              <a:t>2024/7/1</a:t>
             </a:fld>
             <a:endParaRPr lang="en-CN"/>
           </a:p>
@@ -755,7 +755,7 @@
           <a:p>
             <a:fld id="{F16920DF-4227-FE47-B84A-A9D6D0E64CA2}" type="datetimeFigureOut">
               <a:rPr lang="en-CN" smtClean="0"/>
-              <a:t>2024/6/22</a:t>
+              <a:t>2024/7/1</a:t>
             </a:fld>
             <a:endParaRPr lang="en-CN"/>
           </a:p>
@@ -1000,7 +1000,7 @@
           <a:p>
             <a:fld id="{F16920DF-4227-FE47-B84A-A9D6D0E64CA2}" type="datetimeFigureOut">
               <a:rPr lang="en-CN" smtClean="0"/>
-              <a:t>2024/6/22</a:t>
+              <a:t>2024/7/1</a:t>
             </a:fld>
             <a:endParaRPr lang="en-CN"/>
           </a:p>
@@ -1229,7 +1229,7 @@
           <a:p>
             <a:fld id="{F16920DF-4227-FE47-B84A-A9D6D0E64CA2}" type="datetimeFigureOut">
               <a:rPr lang="en-CN" smtClean="0"/>
-              <a:t>2024/6/22</a:t>
+              <a:t>2024/7/1</a:t>
             </a:fld>
             <a:endParaRPr lang="en-CN"/>
           </a:p>
@@ -1593,7 +1593,7 @@
           <a:p>
             <a:fld id="{F16920DF-4227-FE47-B84A-A9D6D0E64CA2}" type="datetimeFigureOut">
               <a:rPr lang="en-CN" smtClean="0"/>
-              <a:t>2024/6/22</a:t>
+              <a:t>2024/7/1</a:t>
             </a:fld>
             <a:endParaRPr lang="en-CN"/>
           </a:p>
@@ -1710,7 +1710,7 @@
           <a:p>
             <a:fld id="{F16920DF-4227-FE47-B84A-A9D6D0E64CA2}" type="datetimeFigureOut">
               <a:rPr lang="en-CN" smtClean="0"/>
-              <a:t>2024/6/22</a:t>
+              <a:t>2024/7/1</a:t>
             </a:fld>
             <a:endParaRPr lang="en-CN"/>
           </a:p>
@@ -1805,7 +1805,7 @@
           <a:p>
             <a:fld id="{F16920DF-4227-FE47-B84A-A9D6D0E64CA2}" type="datetimeFigureOut">
               <a:rPr lang="en-CN" smtClean="0"/>
-              <a:t>2024/6/22</a:t>
+              <a:t>2024/7/1</a:t>
             </a:fld>
             <a:endParaRPr lang="en-CN"/>
           </a:p>
@@ -2080,7 +2080,7 @@
           <a:p>
             <a:fld id="{F16920DF-4227-FE47-B84A-A9D6D0E64CA2}" type="datetimeFigureOut">
               <a:rPr lang="en-CN" smtClean="0"/>
-              <a:t>2024/6/22</a:t>
+              <a:t>2024/7/1</a:t>
             </a:fld>
             <a:endParaRPr lang="en-CN"/>
           </a:p>
@@ -2335,7 +2335,7 @@
           <a:p>
             <a:fld id="{F16920DF-4227-FE47-B84A-A9D6D0E64CA2}" type="datetimeFigureOut">
               <a:rPr lang="en-CN" smtClean="0"/>
-              <a:t>2024/6/22</a:t>
+              <a:t>2024/7/1</a:t>
             </a:fld>
             <a:endParaRPr lang="en-CN"/>
           </a:p>
@@ -2546,7 +2546,7 @@
           <a:p>
             <a:fld id="{F16920DF-4227-FE47-B84A-A9D6D0E64CA2}" type="datetimeFigureOut">
               <a:rPr lang="en-CN" smtClean="0"/>
-              <a:t>2024/6/22</a:t>
+              <a:t>2024/7/1</a:t>
             </a:fld>
             <a:endParaRPr lang="en-CN"/>
           </a:p>
@@ -2951,8 +2951,8 @@
           <a:chExt cx="0" cy="0"/>
         </a:xfrm>
       </p:grpSpPr>
-      <mc:AlternateContent xmlns:mc="http://schemas.openxmlformats.org/markup-compatibility/2006">
-        <mc:Choice xmlns:a14="http://schemas.microsoft.com/office/drawing/2010/main" Requires="a14">
+      <mc:AlternateContent xmlns:mc="http://schemas.openxmlformats.org/markup-compatibility/2006" xmlns:a14="http://schemas.microsoft.com/office/drawing/2010/main">
+        <mc:Choice Requires="a14">
           <p:sp>
             <p:nvSpPr>
               <p:cNvPr id="5" name="Rounded Rectangle 104">
@@ -3213,7 +3213,7 @@
             </p:txBody>
           </p:sp>
         </mc:Choice>
-        <mc:Fallback>
+        <mc:Fallback xmlns="">
           <p:sp>
             <p:nvSpPr>
               <p:cNvPr id="5" name="Rounded Rectangle 104">
@@ -3268,8 +3268,8 @@
           </p:sp>
         </mc:Fallback>
       </mc:AlternateContent>
-      <mc:AlternateContent xmlns:mc="http://schemas.openxmlformats.org/markup-compatibility/2006">
-        <mc:Choice xmlns:a14="http://schemas.microsoft.com/office/drawing/2010/main" Requires="a14">
+      <mc:AlternateContent xmlns:mc="http://schemas.openxmlformats.org/markup-compatibility/2006" xmlns:a14="http://schemas.microsoft.com/office/drawing/2010/main">
+        <mc:Choice Requires="a14">
           <p:sp>
             <p:nvSpPr>
               <p:cNvPr id="6" name="Rounded Rectangle 104">
@@ -3515,7 +3515,7 @@
             </p:txBody>
           </p:sp>
         </mc:Choice>
-        <mc:Fallback>
+        <mc:Fallback xmlns="">
           <p:sp>
             <p:nvSpPr>
               <p:cNvPr id="6" name="Rounded Rectangle 104">
@@ -3586,8 +3586,8 @@
             </p:nvSpPr>
             <p:spPr>
               <a:xfrm>
-                <a:off x="11365701" y="2711161"/>
-                <a:ext cx="3463460" cy="1080000"/>
+                <a:off x="11365700" y="2711161"/>
+                <a:ext cx="3952511" cy="1080000"/>
               </a:xfrm>
               <a:prstGeom prst="roundRect">
                 <a:avLst>
@@ -3748,6 +3748,90 @@
                       </a:rPr>
                       <m:t>𝑖𝑚𝑖𝑡𝑎𝑡𝑜𝑟</m:t>
                     </m:r>
+                    <m:r>
+                      <a:rPr kumimoji="1" lang="zh-CN" altLang="en-US" sz="3300" b="0" i="1">
+                        <a:solidFill>
+                          <a:schemeClr val="tx1"/>
+                        </a:solidFill>
+                        <a:latin typeface="Cambria Math" panose="02040503050406030204" pitchFamily="18" charset="0"/>
+                      </a:rPr>
+                      <m:t> </m:t>
+                    </m:r>
+                    <m:r>
+                      <m:rPr>
+                        <m:sty m:val="p"/>
+                      </m:rPr>
+                      <a:rPr kumimoji="1" lang="en-US" altLang="zh-CN" sz="3300" b="0" i="0">
+                        <a:solidFill>
+                          <a:schemeClr val="tx1"/>
+                        </a:solidFill>
+                        <a:latin typeface="Cambria Math" panose="02040503050406030204" pitchFamily="18" charset="0"/>
+                      </a:rPr>
+                      <m:t>Π</m:t>
+                    </m:r>
+                    <m:r>
+                      <a:rPr kumimoji="1" lang="en-US" altLang="zh-CN" sz="3300" b="0" i="0">
+                        <a:solidFill>
+                          <a:schemeClr val="tx1"/>
+                        </a:solidFill>
+                        <a:latin typeface="Cambria Math" panose="02040503050406030204" pitchFamily="18" charset="0"/>
+                      </a:rPr>
+                      <m:t>(</m:t>
+                    </m:r>
+                    <m:r>
+                      <a:rPr kumimoji="1" lang="en-US" altLang="zh-CN" sz="3300" b="0" i="1">
+                        <a:solidFill>
+                          <a:schemeClr val="tx1"/>
+                        </a:solidFill>
+                        <a:latin typeface="Cambria Math" panose="02040503050406030204" pitchFamily="18" charset="0"/>
+                      </a:rPr>
+                      <m:t>𝑎</m:t>
+                    </m:r>
+                    <m:r>
+                      <a:rPr kumimoji="1" lang="en-US" altLang="zh-CN" sz="3300" b="0" i="1">
+                        <a:solidFill>
+                          <a:schemeClr val="tx1"/>
+                        </a:solidFill>
+                        <a:latin typeface="Cambria Math" panose="02040503050406030204" pitchFamily="18" charset="0"/>
+                      </a:rPr>
+                      <m:t>|</m:t>
+                    </m:r>
+                    <m:r>
+                      <a:rPr kumimoji="1" lang="en-US" altLang="zh-CN" sz="3300" b="0" i="1">
+                        <a:solidFill>
+                          <a:schemeClr val="tx1"/>
+                        </a:solidFill>
+                        <a:latin typeface="Cambria Math" panose="02040503050406030204" pitchFamily="18" charset="0"/>
+                      </a:rPr>
+                      <m:t>𝑠</m:t>
+                    </m:r>
+                    <m:r>
+                      <a:rPr kumimoji="1" lang="en-US" altLang="zh-CN" sz="3300" b="0" i="1">
+                        <a:solidFill>
+                          <a:schemeClr val="tx1"/>
+                        </a:solidFill>
+                        <a:latin typeface="Cambria Math" panose="02040503050406030204" pitchFamily="18" charset="0"/>
+                      </a:rPr>
+                      <m:t>,</m:t>
+                    </m:r>
+                    <m:r>
+                      <a:rPr kumimoji="1" lang="en-US" altLang="zh-CN" sz="3300" b="0" i="1">
+                        <a:solidFill>
+                          <a:schemeClr val="tx1"/>
+                        </a:solidFill>
+                        <a:latin typeface="Cambria Math" panose="02040503050406030204" pitchFamily="18" charset="0"/>
+                      </a:rPr>
+                      <m:t>𝜏</m:t>
+                    </m:r>
+                    <m:r>
+                      <a:rPr kumimoji="1" lang="en-US" altLang="zh-CN" sz="3300" b="0" i="0">
+                        <a:solidFill>
+                          <a:schemeClr val="tx1"/>
+                        </a:solidFill>
+                        <a:latin typeface="Cambria Math" panose="02040503050406030204" pitchFamily="18" charset="0"/>
+                      </a:rPr>
+                      <m:t>)</m:t>
+                    </m:r>
                   </m:oMath>
                 </a14:m>
                 <a:endParaRPr kumimoji="1" lang="zh-CN" altLang="en-US" sz="3300" i="1" dirty="0">
@@ -3777,8 +3861,8 @@
             </p:nvSpPr>
             <p:spPr>
               <a:xfrm>
-                <a:off x="11365701" y="2711161"/>
-                <a:ext cx="3463460" cy="1080000"/>
+                <a:off x="11365700" y="2711161"/>
+                <a:ext cx="3952511" cy="1080000"/>
               </a:xfrm>
               <a:prstGeom prst="roundRect">
                 <a:avLst>
@@ -3788,7 +3872,7 @@
               <a:blipFill>
                 <a:blip r:embed="rId4"/>
                 <a:stretch>
-                  <a:fillRect t="-6667"/>
+                  <a:fillRect t="-6667" b="-12222"/>
                 </a:stretch>
               </a:blipFill>
               <a:ln w="63500">
@@ -3933,8 +4017,8 @@
         </p:nvCxnSpPr>
         <p:spPr>
           <a:xfrm>
-            <a:off x="9884251" y="1804223"/>
-            <a:ext cx="1481451" cy="1446938"/>
+            <a:off x="9884250" y="1804223"/>
+            <a:ext cx="1481450" cy="1446938"/>
           </a:xfrm>
           <a:prstGeom prst="curvedConnector3">
             <a:avLst>
@@ -3983,8 +4067,8 @@
         </p:nvCxnSpPr>
         <p:spPr>
           <a:xfrm flipV="1">
-            <a:off x="9884251" y="3251161"/>
-            <a:ext cx="1481451" cy="1260000"/>
+            <a:off x="9884250" y="3251161"/>
+            <a:ext cx="1481450" cy="1260000"/>
           </a:xfrm>
           <a:prstGeom prst="curvedConnector3">
             <a:avLst>
@@ -4061,8 +4145,8 @@
           </a:fontRef>
         </p:style>
       </p:cxnSp>
-      <mc:AlternateContent xmlns:mc="http://schemas.openxmlformats.org/markup-compatibility/2006">
-        <mc:Choice xmlns:a14="http://schemas.microsoft.com/office/drawing/2010/main" Requires="a14">
+      <mc:AlternateContent xmlns:mc="http://schemas.openxmlformats.org/markup-compatibility/2006" xmlns:a14="http://schemas.microsoft.com/office/drawing/2010/main">
+        <mc:Choice Requires="a14">
           <p:sp>
             <p:nvSpPr>
               <p:cNvPr id="13" name="椭圆 12">
@@ -4132,16 +4216,7 @@
                           </a:solidFill>
                           <a:latin typeface="Cambria Math" panose="02040503050406030204" pitchFamily="18" charset="0"/>
                         </a:rPr>
-                        <m:t>𝑒</m:t>
-                      </m:r>
-                      <m:r>
-                        <a:rPr kumimoji="1" lang="en-US" altLang="zh-CN" sz="3300" i="1">
-                          <a:solidFill>
-                            <a:schemeClr val="tx1"/>
-                          </a:solidFill>
-                          <a:latin typeface="Cambria Math" panose="02040503050406030204" pitchFamily="18" charset="0"/>
-                        </a:rPr>
-                        <m:t>𝑥𝑝𝑒𝑟𝑡</m:t>
+                        <m:t>𝑒𝑥𝑝𝑒𝑟𝑡</m:t>
                       </m:r>
                     </m:oMath>
                   </m:oMathPara>
@@ -4155,7 +4230,7 @@
             </p:txBody>
           </p:sp>
         </mc:Choice>
-        <mc:Fallback>
+        <mc:Fallback xmlns="">
           <p:sp>
             <p:nvSpPr>
               <p:cNvPr id="13" name="椭圆 12">
@@ -4208,8 +4283,8 @@
           </p:sp>
         </mc:Fallback>
       </mc:AlternateContent>
-      <mc:AlternateContent xmlns:mc="http://schemas.openxmlformats.org/markup-compatibility/2006">
-        <mc:Choice xmlns:a14="http://schemas.microsoft.com/office/drawing/2010/main" Requires="a14">
+      <mc:AlternateContent xmlns:mc="http://schemas.openxmlformats.org/markup-compatibility/2006" xmlns:a14="http://schemas.microsoft.com/office/drawing/2010/main">
+        <mc:Choice Requires="a14">
           <p:sp>
             <p:nvSpPr>
               <p:cNvPr id="14" name="Rounded Rectangle 104">
@@ -4458,7 +4533,7 @@
             </p:txBody>
           </p:sp>
         </mc:Choice>
-        <mc:Fallback>
+        <mc:Fallback xmlns="">
           <p:sp>
             <p:nvSpPr>
               <p:cNvPr id="14" name="Rounded Rectangle 104">
@@ -4529,8 +4604,8 @@
             </p:nvSpPr>
             <p:spPr>
               <a:xfrm>
-                <a:off x="24910246" y="3981800"/>
-                <a:ext cx="2656066" cy="1080000"/>
+                <a:off x="24910245" y="3981800"/>
+                <a:ext cx="3788589" cy="1080000"/>
               </a:xfrm>
               <a:prstGeom prst="roundRect">
                 <a:avLst>
@@ -4691,6 +4766,90 @@
                       </a:rPr>
                       <m:t>𝑖𝑚𝑖𝑡𝑎𝑡𝑜𝑟</m:t>
                     </m:r>
+                    <m:r>
+                      <a:rPr kumimoji="1" lang="zh-CN" altLang="en-US" sz="3300" b="0" i="1">
+                        <a:solidFill>
+                          <a:schemeClr val="tx1"/>
+                        </a:solidFill>
+                        <a:latin typeface="Cambria Math" panose="02040503050406030204" pitchFamily="18" charset="0"/>
+                      </a:rPr>
+                      <m:t> </m:t>
+                    </m:r>
+                    <m:r>
+                      <m:rPr>
+                        <m:sty m:val="p"/>
+                      </m:rPr>
+                      <a:rPr kumimoji="1" lang="en-US" altLang="zh-CN" sz="3300">
+                        <a:solidFill>
+                          <a:schemeClr val="tx1"/>
+                        </a:solidFill>
+                        <a:latin typeface="Cambria Math" panose="02040503050406030204" pitchFamily="18" charset="0"/>
+                      </a:rPr>
+                      <m:t>Π</m:t>
+                    </m:r>
+                    <m:r>
+                      <a:rPr kumimoji="1" lang="en-US" altLang="zh-CN" sz="3300">
+                        <a:solidFill>
+                          <a:schemeClr val="tx1"/>
+                        </a:solidFill>
+                        <a:latin typeface="Cambria Math" panose="02040503050406030204" pitchFamily="18" charset="0"/>
+                      </a:rPr>
+                      <m:t>(</m:t>
+                    </m:r>
+                    <m:r>
+                      <a:rPr kumimoji="1" lang="en-US" altLang="zh-CN" sz="3300" i="1">
+                        <a:solidFill>
+                          <a:schemeClr val="tx1"/>
+                        </a:solidFill>
+                        <a:latin typeface="Cambria Math" panose="02040503050406030204" pitchFamily="18" charset="0"/>
+                      </a:rPr>
+                      <m:t>𝑎</m:t>
+                    </m:r>
+                    <m:r>
+                      <a:rPr kumimoji="1" lang="en-US" altLang="zh-CN" sz="3300" i="1">
+                        <a:solidFill>
+                          <a:schemeClr val="tx1"/>
+                        </a:solidFill>
+                        <a:latin typeface="Cambria Math" panose="02040503050406030204" pitchFamily="18" charset="0"/>
+                      </a:rPr>
+                      <m:t>|</m:t>
+                    </m:r>
+                    <m:r>
+                      <a:rPr kumimoji="1" lang="en-US" altLang="zh-CN" sz="3300" i="1">
+                        <a:solidFill>
+                          <a:schemeClr val="tx1"/>
+                        </a:solidFill>
+                        <a:latin typeface="Cambria Math" panose="02040503050406030204" pitchFamily="18" charset="0"/>
+                      </a:rPr>
+                      <m:t>𝑠</m:t>
+                    </m:r>
+                    <m:r>
+                      <a:rPr kumimoji="1" lang="en-US" altLang="zh-CN" sz="3300" i="1">
+                        <a:solidFill>
+                          <a:schemeClr val="tx1"/>
+                        </a:solidFill>
+                        <a:latin typeface="Cambria Math" panose="02040503050406030204" pitchFamily="18" charset="0"/>
+                      </a:rPr>
+                      <m:t>,</m:t>
+                    </m:r>
+                    <m:r>
+                      <a:rPr kumimoji="1" lang="en-US" altLang="zh-CN" sz="3300" i="1">
+                        <a:solidFill>
+                          <a:schemeClr val="tx1"/>
+                        </a:solidFill>
+                        <a:latin typeface="Cambria Math" panose="02040503050406030204" pitchFamily="18" charset="0"/>
+                      </a:rPr>
+                      <m:t>𝜏</m:t>
+                    </m:r>
+                    <m:r>
+                      <a:rPr kumimoji="1" lang="en-US" altLang="zh-CN" sz="3300">
+                        <a:solidFill>
+                          <a:schemeClr val="tx1"/>
+                        </a:solidFill>
+                        <a:latin typeface="Cambria Math" panose="02040503050406030204" pitchFamily="18" charset="0"/>
+                      </a:rPr>
+                      <m:t>)</m:t>
+                    </m:r>
                   </m:oMath>
                 </a14:m>
                 <a:endParaRPr kumimoji="1" lang="zh-CN" altLang="en-US" sz="3300" i="1" dirty="0">
@@ -4720,8 +4879,8 @@
             </p:nvSpPr>
             <p:spPr>
               <a:xfrm>
-                <a:off x="24910246" y="3981800"/>
-                <a:ext cx="2656066" cy="1080000"/>
+                <a:off x="24910245" y="3981800"/>
+                <a:ext cx="3788589" cy="1080000"/>
               </a:xfrm>
               <a:prstGeom prst="roundRect">
                 <a:avLst>
@@ -4731,7 +4890,7 @@
               <a:blipFill>
                 <a:blip r:embed="rId7"/>
                 <a:stretch>
-                  <a:fillRect t="-5556"/>
+                  <a:fillRect t="-5556" b="-12222"/>
                 </a:stretch>
               </a:blipFill>
               <a:ln w="63500">
@@ -4889,8 +5048,8 @@
           </p:txBody>
         </p:sp>
       </p:grpSp>
-      <mc:AlternateContent xmlns:mc="http://schemas.openxmlformats.org/markup-compatibility/2006">
-        <mc:Choice xmlns:a14="http://schemas.microsoft.com/office/drawing/2010/main" Requires="a14">
+      <mc:AlternateContent xmlns:mc="http://schemas.openxmlformats.org/markup-compatibility/2006" xmlns:a14="http://schemas.microsoft.com/office/drawing/2010/main">
+        <mc:Choice Requires="a14">
           <p:sp>
             <p:nvSpPr>
               <p:cNvPr id="18" name="文本框 17">
@@ -4948,7 +5107,7 @@
             </p:txBody>
           </p:sp>
         </mc:Choice>
-        <mc:Fallback>
+        <mc:Fallback xmlns="">
           <p:sp>
             <p:nvSpPr>
               <p:cNvPr id="18" name="文本框 17">
@@ -4993,8 +5152,8 @@
           </p:sp>
         </mc:Fallback>
       </mc:AlternateContent>
-      <mc:AlternateContent xmlns:mc="http://schemas.openxmlformats.org/markup-compatibility/2006">
-        <mc:Choice xmlns:a14="http://schemas.microsoft.com/office/drawing/2010/main" Requires="a14">
+      <mc:AlternateContent xmlns:mc="http://schemas.openxmlformats.org/markup-compatibility/2006" xmlns:a14="http://schemas.microsoft.com/office/drawing/2010/main">
+        <mc:Choice Requires="a14">
           <p:sp>
             <p:nvSpPr>
               <p:cNvPr id="19" name="文本框 18">
@@ -5052,7 +5211,7 @@
             </p:txBody>
           </p:sp>
         </mc:Choice>
-        <mc:Fallback>
+        <mc:Fallback xmlns="">
           <p:sp>
             <p:nvSpPr>
               <p:cNvPr id="19" name="文本框 18">
@@ -5115,7 +5274,7 @@
         <p:spPr>
           <a:xfrm flipV="1">
             <a:off x="20369434" y="4521800"/>
-            <a:ext cx="4540813" cy="14356"/>
+            <a:ext cx="4540811" cy="14356"/>
           </a:xfrm>
           <a:prstGeom prst="straightConnector1">
             <a:avLst/>
@@ -5236,8 +5395,8 @@
             </p:nvSpPr>
             <p:spPr>
               <a:xfrm>
-                <a:off x="11195396" y="891074"/>
-                <a:ext cx="4160118" cy="1615827"/>
+                <a:off x="10761802" y="971693"/>
+                <a:ext cx="4903510" cy="1615827"/>
               </a:xfrm>
               <a:prstGeom prst="rect">
                 <a:avLst/>
@@ -5268,10 +5427,20 @@
                 </a:r>
                 <a:r>
                   <a:rPr lang="en-US" altLang="zh-CN" sz="3300" dirty="0"/>
-                  <a:t>RL</a:t>
+                  <a:t>context-based</a:t>
                 </a:r>
-              </a:p>
-              <a:p>
+                <a:r>
+                  <a:rPr lang="zh-CN" altLang="en-US" sz="3300" dirty="0"/>
+                  <a:t> </a:t>
+                </a:r>
+                <a:r>
+                  <a:rPr lang="en-US" altLang="zh-CN" sz="3300" dirty="0"/>
+                  <a:t>meta-RL</a:t>
+                </a:r>
+                <a:r>
+                  <a:rPr lang="zh-CN" altLang="en-US" sz="3300" dirty="0"/>
+                  <a:t> </a:t>
+                </a:r>
                 <a:r>
                   <a:rPr lang="en-US" altLang="zh-CN" sz="3300" dirty="0"/>
                   <a:t>to</a:t>
@@ -5379,8 +5548,8 @@
             </p:nvSpPr>
             <p:spPr>
               <a:xfrm>
-                <a:off x="11195396" y="891074"/>
-                <a:ext cx="4160118" cy="1615827"/>
+                <a:off x="10761802" y="971693"/>
+                <a:ext cx="4903510" cy="1615827"/>
               </a:xfrm>
               <a:prstGeom prst="rect">
                 <a:avLst/>
@@ -5388,7 +5557,7 @@
               <a:blipFill>
                 <a:blip r:embed="rId10"/>
                 <a:stretch>
-                  <a:fillRect l="-3951" t="-5469" b="-12500"/>
+                  <a:fillRect l="-3359" t="-4688" r="-2842" b="-12500"/>
                 </a:stretch>
               </a:blipFill>
             </p:spPr>
@@ -5407,8 +5576,8 @@
           </p:sp>
         </mc:Fallback>
       </mc:AlternateContent>
-      <mc:AlternateContent xmlns:mc="http://schemas.openxmlformats.org/markup-compatibility/2006">
-        <mc:Choice xmlns:a14="http://schemas.microsoft.com/office/drawing/2010/main" Requires="a14">
+      <mc:AlternateContent xmlns:mc="http://schemas.openxmlformats.org/markup-compatibility/2006" xmlns:a14="http://schemas.microsoft.com/office/drawing/2010/main">
+        <mc:Choice Requires="a14">
           <p:sp>
             <p:nvSpPr>
               <p:cNvPr id="24" name="文本框 23">
@@ -5481,7 +5650,7 @@
             </p:txBody>
           </p:sp>
         </mc:Choice>
-        <mc:Fallback>
+        <mc:Fallback xmlns="">
           <p:sp>
             <p:nvSpPr>
               <p:cNvPr id="24" name="文本框 23">
@@ -5869,8 +6038,8 @@
           </mc:Fallback>
         </mc:AlternateContent>
       </p:grpSp>
-      <mc:AlternateContent xmlns:mc="http://schemas.openxmlformats.org/markup-compatibility/2006">
-        <mc:Choice xmlns:a14="http://schemas.microsoft.com/office/drawing/2010/main" Requires="a14">
+      <mc:AlternateContent xmlns:mc="http://schemas.openxmlformats.org/markup-compatibility/2006" xmlns:a14="http://schemas.microsoft.com/office/drawing/2010/main">
+        <mc:Choice Requires="a14">
           <p:sp>
             <p:nvSpPr>
               <p:cNvPr id="32" name="流程图: 磁盘 31">
@@ -6002,7 +6171,7 @@
             </p:txBody>
           </p:sp>
         </mc:Choice>
-        <mc:Fallback>
+        <mc:Fallback xmlns="">
           <p:sp>
             <p:nvSpPr>
               <p:cNvPr id="32" name="流程图: 磁盘 31">
@@ -6075,8 +6244,8 @@
             <a:chExt cx="1441484" cy="3060000"/>
           </a:xfrm>
         </p:grpSpPr>
-        <mc:AlternateContent xmlns:mc="http://schemas.openxmlformats.org/markup-compatibility/2006">
-          <mc:Choice xmlns:a14="http://schemas.microsoft.com/office/drawing/2010/main" Requires="a14">
+        <mc:AlternateContent xmlns:mc="http://schemas.openxmlformats.org/markup-compatibility/2006" xmlns:a14="http://schemas.microsoft.com/office/drawing/2010/main">
+          <mc:Choice Requires="a14">
             <p:sp>
               <p:nvSpPr>
                 <p:cNvPr id="34" name="流程图: 磁盘 33">
@@ -6208,7 +6377,7 @@
               </p:txBody>
             </p:sp>
           </mc:Choice>
-          <mc:Fallback>
+          <mc:Fallback xmlns="">
             <p:sp>
               <p:nvSpPr>
                 <p:cNvPr id="34" name="流程图: 磁盘 33">
@@ -6261,8 +6430,8 @@
             </p:sp>
           </mc:Fallback>
         </mc:AlternateContent>
-        <mc:AlternateContent xmlns:mc="http://schemas.openxmlformats.org/markup-compatibility/2006">
-          <mc:Choice xmlns:a14="http://schemas.microsoft.com/office/drawing/2010/main" Requires="a14">
+        <mc:AlternateContent xmlns:mc="http://schemas.openxmlformats.org/markup-compatibility/2006" xmlns:a14="http://schemas.microsoft.com/office/drawing/2010/main">
+          <mc:Choice Requires="a14">
             <p:sp>
               <p:nvSpPr>
                 <p:cNvPr id="35" name="流程图: 磁盘 34">
@@ -6394,7 +6563,7 @@
               </p:txBody>
             </p:sp>
           </mc:Choice>
-          <mc:Fallback>
+          <mc:Fallback xmlns="">
             <p:sp>
               <p:nvSpPr>
                 <p:cNvPr id="35" name="流程图: 磁盘 34">
@@ -6447,8 +6616,8 @@
             </p:sp>
           </mc:Fallback>
         </mc:AlternateContent>
-        <mc:AlternateContent xmlns:mc="http://schemas.openxmlformats.org/markup-compatibility/2006">
-          <mc:Choice xmlns:a14="http://schemas.microsoft.com/office/drawing/2010/main" Requires="a14">
+        <mc:AlternateContent xmlns:mc="http://schemas.openxmlformats.org/markup-compatibility/2006" xmlns:a14="http://schemas.microsoft.com/office/drawing/2010/main">
+          <mc:Choice Requires="a14">
             <p:sp>
               <p:nvSpPr>
                 <p:cNvPr id="36" name="流程图: 磁盘 35">
@@ -6580,7 +6749,7 @@
               </p:txBody>
             </p:sp>
           </mc:Choice>
-          <mc:Fallback>
+          <mc:Fallback xmlns="">
             <p:sp>
               <p:nvSpPr>
                 <p:cNvPr id="36" name="流程图: 磁盘 35">
@@ -6974,7 +7143,7 @@
         <p:spPr>
           <a:xfrm>
             <a:off x="17054877" y="5578876"/>
-            <a:ext cx="10439461" cy="615553"/>
+            <a:ext cx="10866244" cy="646331"/>
           </a:xfrm>
           <a:prstGeom prst="rect">
             <a:avLst/>
@@ -6988,18 +7157,18 @@
           <a:lstStyle/>
           <a:p>
             <a:r>
-              <a:rPr lang="en-US" altLang="zh-CN" sz="3400" dirty="0"/>
+              <a:rPr lang="en-US" altLang="zh-CN" sz="3600" dirty="0"/>
               <a:t>(b) deploy: adapt to the target task presented by a demo</a:t>
             </a:r>
             <a:r>
-              <a:rPr lang="zh-CN" altLang="en-US" sz="3400" dirty="0"/>
+              <a:rPr lang="zh-CN" altLang="en-US" sz="3600" dirty="0"/>
               <a:t> </a:t>
             </a:r>
           </a:p>
         </p:txBody>
       </p:sp>
-      <mc:AlternateContent xmlns:mc="http://schemas.openxmlformats.org/markup-compatibility/2006">
-        <mc:Choice xmlns:a14="http://schemas.microsoft.com/office/drawing/2010/main" Requires="a14">
+      <mc:AlternateContent xmlns:mc="http://schemas.openxmlformats.org/markup-compatibility/2006" xmlns:a14="http://schemas.microsoft.com/office/drawing/2010/main">
+        <mc:Choice Requires="a14">
           <p:sp>
             <p:nvSpPr>
               <p:cNvPr id="3" name="Rounded Rectangle 104">
@@ -7260,7 +7429,7 @@
             </p:txBody>
           </p:sp>
         </mc:Choice>
-        <mc:Fallback>
+        <mc:Fallback xmlns="">
           <p:sp>
             <p:nvSpPr>
               <p:cNvPr id="3" name="Rounded Rectangle 104">
@@ -7330,7 +7499,7 @@
         <p:spPr>
           <a:xfrm>
             <a:off x="2714881" y="5530629"/>
-            <a:ext cx="9367308" cy="615553"/>
+            <a:ext cx="9920473" cy="646331"/>
           </a:xfrm>
           <a:prstGeom prst="rect">
             <a:avLst/>
@@ -7344,10 +7513,10 @@
           <a:lstStyle/>
           <a:p>
             <a:r>
-              <a:rPr lang="en-US" altLang="zh-CN" sz="3400" dirty="0"/>
+              <a:rPr lang="en-US" altLang="zh-CN" sz="3600" dirty="0"/>
               <a:t>(a) train: learn a general model to imitate in all tasks</a:t>
             </a:r>
-            <a:endParaRPr lang="zh-CN" altLang="en-US" sz="3400" dirty="0"/>
+            <a:endParaRPr lang="zh-CN" altLang="en-US" sz="3600" dirty="0"/>
           </a:p>
         </p:txBody>
       </p:sp>
